--- a/中企动力/2019年OMO电商中台发展规划 - 杨成琳.pptx
+++ b/中企动力/2019年OMO电商中台发展规划 - 杨成琳.pptx
@@ -933,16 +933,7 @@
               </a:solidFill>
               <a:latin typeface="Century Schoolbook" panose="02040604050505020304" pitchFamily="18" charset="0"/>
             </a:rPr>
-            <a:t>负责人</a:t>
-          </a:r>
-          <a:r>
-            <a:rPr lang="zh-CN" altLang="en-US" sz="1400" dirty="0" smtClean="0">
-              <a:solidFill>
-                <a:schemeClr val="tx1"/>
-              </a:solidFill>
-              <a:latin typeface="Century Schoolbook" panose="02040604050505020304" pitchFamily="18" charset="0"/>
-            </a:rPr>
-            <a:t>：杨成琳</a:t>
+            <a:t>负责人：杨成琳</a:t>
           </a:r>
           <a:endParaRPr lang="zh-CN" altLang="en-US" sz="1400" dirty="0">
             <a:solidFill>
@@ -2685,16 +2676,7 @@
               </a:solidFill>
               <a:latin typeface="Century Schoolbook" panose="02040604050505020304" pitchFamily="18" charset="0"/>
             </a:rPr>
-            <a:t>负责人</a:t>
-          </a:r>
-          <a:r>
-            <a:rPr lang="zh-CN" altLang="en-US" sz="1400" kern="1200" dirty="0" smtClean="0">
-              <a:solidFill>
-                <a:schemeClr val="tx1"/>
-              </a:solidFill>
-              <a:latin typeface="Century Schoolbook" panose="02040604050505020304" pitchFamily="18" charset="0"/>
-            </a:rPr>
-            <a:t>：杨成琳</a:t>
+            <a:t>负责人：杨成琳</a:t>
           </a:r>
           <a:endParaRPr lang="zh-CN" altLang="en-US" sz="1400" kern="1200" dirty="0">
             <a:solidFill>
@@ -7460,7 +7442,7 @@
           <p:cNvPr id="5" name="文本占位符 6">
             <a:extLst>
               <a:ext uri="{FF2B5EF4-FFF2-40B4-BE49-F238E27FC236}">
-                <a16:creationId xmlns="" xmlns:a16="http://schemas.microsoft.com/office/drawing/2014/main" id="{873D21D7-31B0-4BB9-B2E7-159451257B1E}"/>
+                <a16:creationId xmlns:a16="http://schemas.microsoft.com/office/drawing/2014/main" xmlns="" id="{873D21D7-31B0-4BB9-B2E7-159451257B1E}"/>
               </a:ext>
             </a:extLst>
           </p:cNvPr>
@@ -7510,7 +7492,7 @@
           <p:cNvPr id="6" name="文本占位符 8">
             <a:extLst>
               <a:ext uri="{FF2B5EF4-FFF2-40B4-BE49-F238E27FC236}">
-                <a16:creationId xmlns="" xmlns:a16="http://schemas.microsoft.com/office/drawing/2014/main" id="{80963383-27C2-4B3B-B80B-79837FF85A35}"/>
+                <a16:creationId xmlns:a16="http://schemas.microsoft.com/office/drawing/2014/main" xmlns="" id="{80963383-27C2-4B3B-B80B-79837FF85A35}"/>
               </a:ext>
             </a:extLst>
           </p:cNvPr>
@@ -7559,7 +7541,7 @@
           <p:cNvPr id="8" name="文本占位符 11">
             <a:extLst>
               <a:ext uri="{FF2B5EF4-FFF2-40B4-BE49-F238E27FC236}">
-                <a16:creationId xmlns="" xmlns:a16="http://schemas.microsoft.com/office/drawing/2014/main" id="{2ACD552C-C7ED-462C-91CD-7E3F3144B2E3}"/>
+                <a16:creationId xmlns:a16="http://schemas.microsoft.com/office/drawing/2014/main" xmlns="" id="{2ACD552C-C7ED-462C-91CD-7E3F3144B2E3}"/>
               </a:ext>
             </a:extLst>
           </p:cNvPr>
@@ -7692,7 +7674,7 @@
           <p:cNvPr id="5" name="文本占位符 6">
             <a:extLst>
               <a:ext uri="{FF2B5EF4-FFF2-40B4-BE49-F238E27FC236}">
-                <a16:creationId xmlns="" xmlns:a16="http://schemas.microsoft.com/office/drawing/2014/main" id="{315D7E23-9D84-4DA5-943A-54BC395DE784}"/>
+                <a16:creationId xmlns:a16="http://schemas.microsoft.com/office/drawing/2014/main" xmlns="" id="{315D7E23-9D84-4DA5-943A-54BC395DE784}"/>
               </a:ext>
             </a:extLst>
           </p:cNvPr>
@@ -7742,7 +7724,7 @@
           <p:cNvPr id="6" name="文本占位符 8">
             <a:extLst>
               <a:ext uri="{FF2B5EF4-FFF2-40B4-BE49-F238E27FC236}">
-                <a16:creationId xmlns="" xmlns:a16="http://schemas.microsoft.com/office/drawing/2014/main" id="{9E444FBB-2E3C-459C-AE28-D84914882072}"/>
+                <a16:creationId xmlns:a16="http://schemas.microsoft.com/office/drawing/2014/main" xmlns="" id="{9E444FBB-2E3C-459C-AE28-D84914882072}"/>
               </a:ext>
             </a:extLst>
           </p:cNvPr>
@@ -7791,7 +7773,7 @@
           <p:cNvPr id="7" name="文本占位符 11">
             <a:extLst>
               <a:ext uri="{FF2B5EF4-FFF2-40B4-BE49-F238E27FC236}">
-                <a16:creationId xmlns="" xmlns:a16="http://schemas.microsoft.com/office/drawing/2014/main" id="{1930036D-D72C-4CCE-A8B5-F36A6CED80C0}"/>
+                <a16:creationId xmlns:a16="http://schemas.microsoft.com/office/drawing/2014/main" xmlns="" id="{1930036D-D72C-4CCE-A8B5-F36A6CED80C0}"/>
               </a:ext>
             </a:extLst>
           </p:cNvPr>
@@ -7924,7 +7906,7 @@
           <p:cNvPr id="5" name="文本占位符 6">
             <a:extLst>
               <a:ext uri="{FF2B5EF4-FFF2-40B4-BE49-F238E27FC236}">
-                <a16:creationId xmlns="" xmlns:a16="http://schemas.microsoft.com/office/drawing/2014/main" id="{F42028AA-AAD4-4ECF-9CE4-2593FC0667E3}"/>
+                <a16:creationId xmlns:a16="http://schemas.microsoft.com/office/drawing/2014/main" xmlns="" id="{F42028AA-AAD4-4ECF-9CE4-2593FC0667E3}"/>
               </a:ext>
             </a:extLst>
           </p:cNvPr>
@@ -7974,7 +7956,7 @@
           <p:cNvPr id="6" name="文本占位符 8">
             <a:extLst>
               <a:ext uri="{FF2B5EF4-FFF2-40B4-BE49-F238E27FC236}">
-                <a16:creationId xmlns="" xmlns:a16="http://schemas.microsoft.com/office/drawing/2014/main" id="{F04FD123-3F81-471E-B691-7AC2169FD91E}"/>
+                <a16:creationId xmlns:a16="http://schemas.microsoft.com/office/drawing/2014/main" xmlns="" id="{F04FD123-3F81-471E-B691-7AC2169FD91E}"/>
               </a:ext>
             </a:extLst>
           </p:cNvPr>
@@ -8023,7 +8005,7 @@
           <p:cNvPr id="7" name="文本占位符 11">
             <a:extLst>
               <a:ext uri="{FF2B5EF4-FFF2-40B4-BE49-F238E27FC236}">
-                <a16:creationId xmlns="" xmlns:a16="http://schemas.microsoft.com/office/drawing/2014/main" id="{8B01A031-0936-4C98-8265-C881A42E60C5}"/>
+                <a16:creationId xmlns:a16="http://schemas.microsoft.com/office/drawing/2014/main" xmlns="" id="{8B01A031-0936-4C98-8265-C881A42E60C5}"/>
               </a:ext>
             </a:extLst>
           </p:cNvPr>
@@ -8156,7 +8138,7 @@
           <p:cNvPr id="2" name="文本占位符 6">
             <a:extLst>
               <a:ext uri="{FF2B5EF4-FFF2-40B4-BE49-F238E27FC236}">
-                <a16:creationId xmlns="" xmlns:a16="http://schemas.microsoft.com/office/drawing/2014/main" id="{82D1EFC9-E519-4111-8C38-4B57190B86EC}"/>
+                <a16:creationId xmlns:a16="http://schemas.microsoft.com/office/drawing/2014/main" xmlns="" id="{82D1EFC9-E519-4111-8C38-4B57190B86EC}"/>
               </a:ext>
             </a:extLst>
           </p:cNvPr>
@@ -8206,7 +8188,7 @@
           <p:cNvPr id="3" name="文本占位符 8">
             <a:extLst>
               <a:ext uri="{FF2B5EF4-FFF2-40B4-BE49-F238E27FC236}">
-                <a16:creationId xmlns="" xmlns:a16="http://schemas.microsoft.com/office/drawing/2014/main" id="{473BCE00-9475-4662-8BEF-1B095C41FE03}"/>
+                <a16:creationId xmlns:a16="http://schemas.microsoft.com/office/drawing/2014/main" xmlns="" id="{473BCE00-9475-4662-8BEF-1B095C41FE03}"/>
               </a:ext>
             </a:extLst>
           </p:cNvPr>
@@ -8255,7 +8237,7 @@
           <p:cNvPr id="4" name="文本占位符 11">
             <a:extLst>
               <a:ext uri="{FF2B5EF4-FFF2-40B4-BE49-F238E27FC236}">
-                <a16:creationId xmlns="" xmlns:a16="http://schemas.microsoft.com/office/drawing/2014/main" id="{0E9FCC39-2201-4121-8A9E-C49180965FCA}"/>
+                <a16:creationId xmlns:a16="http://schemas.microsoft.com/office/drawing/2014/main" xmlns="" id="{0E9FCC39-2201-4121-8A9E-C49180965FCA}"/>
               </a:ext>
             </a:extLst>
           </p:cNvPr>
@@ -8396,7 +8378,7 @@
           <p:cNvPr id="5" name="文本占位符 6">
             <a:extLst>
               <a:ext uri="{FF2B5EF4-FFF2-40B4-BE49-F238E27FC236}">
-                <a16:creationId xmlns="" xmlns:a16="http://schemas.microsoft.com/office/drawing/2014/main" id="{CB50B7AD-8FE4-4F4C-B409-949AC0FC18E3}"/>
+                <a16:creationId xmlns:a16="http://schemas.microsoft.com/office/drawing/2014/main" xmlns="" id="{CB50B7AD-8FE4-4F4C-B409-949AC0FC18E3}"/>
               </a:ext>
             </a:extLst>
           </p:cNvPr>
@@ -8446,7 +8428,7 @@
           <p:cNvPr id="6" name="文本占位符 8">
             <a:extLst>
               <a:ext uri="{FF2B5EF4-FFF2-40B4-BE49-F238E27FC236}">
-                <a16:creationId xmlns="" xmlns:a16="http://schemas.microsoft.com/office/drawing/2014/main" id="{90600837-2451-4D1F-99EE-7326548CA00C}"/>
+                <a16:creationId xmlns:a16="http://schemas.microsoft.com/office/drawing/2014/main" xmlns="" id="{90600837-2451-4D1F-99EE-7326548CA00C}"/>
               </a:ext>
             </a:extLst>
           </p:cNvPr>
@@ -8495,7 +8477,7 @@
           <p:cNvPr id="7" name="文本占位符 11">
             <a:extLst>
               <a:ext uri="{FF2B5EF4-FFF2-40B4-BE49-F238E27FC236}">
-                <a16:creationId xmlns="" xmlns:a16="http://schemas.microsoft.com/office/drawing/2014/main" id="{300F0159-D8C7-4290-AE75-D6FDBAECC408}"/>
+                <a16:creationId xmlns:a16="http://schemas.microsoft.com/office/drawing/2014/main" xmlns="" id="{300F0159-D8C7-4290-AE75-D6FDBAECC408}"/>
               </a:ext>
             </a:extLst>
           </p:cNvPr>
@@ -8621,7 +8603,7 @@
           <p:cNvPr id="5" name="文本占位符 6">
             <a:extLst>
               <a:ext uri="{FF2B5EF4-FFF2-40B4-BE49-F238E27FC236}">
-                <a16:creationId xmlns="" xmlns:a16="http://schemas.microsoft.com/office/drawing/2014/main" id="{6CD4A9A4-23D0-4C44-B00F-A83844CC9EAF}"/>
+                <a16:creationId xmlns:a16="http://schemas.microsoft.com/office/drawing/2014/main" xmlns="" id="{6CD4A9A4-23D0-4C44-B00F-A83844CC9EAF}"/>
               </a:ext>
             </a:extLst>
           </p:cNvPr>
@@ -8671,7 +8653,7 @@
           <p:cNvPr id="6" name="文本占位符 8">
             <a:extLst>
               <a:ext uri="{FF2B5EF4-FFF2-40B4-BE49-F238E27FC236}">
-                <a16:creationId xmlns="" xmlns:a16="http://schemas.microsoft.com/office/drawing/2014/main" id="{FE7F5983-AC3C-4E73-A62F-AA518DC36617}"/>
+                <a16:creationId xmlns:a16="http://schemas.microsoft.com/office/drawing/2014/main" xmlns="" id="{FE7F5983-AC3C-4E73-A62F-AA518DC36617}"/>
               </a:ext>
             </a:extLst>
           </p:cNvPr>
@@ -8720,7 +8702,7 @@
           <p:cNvPr id="7" name="文本占位符 11">
             <a:extLst>
               <a:ext uri="{FF2B5EF4-FFF2-40B4-BE49-F238E27FC236}">
-                <a16:creationId xmlns="" xmlns:a16="http://schemas.microsoft.com/office/drawing/2014/main" id="{5CE6CE51-9735-4E73-ABDB-6D6E79F54154}"/>
+                <a16:creationId xmlns:a16="http://schemas.microsoft.com/office/drawing/2014/main" xmlns="" id="{5CE6CE51-9735-4E73-ABDB-6D6E79F54154}"/>
               </a:ext>
             </a:extLst>
           </p:cNvPr>
@@ -8846,7 +8828,7 @@
           <p:cNvPr id="5" name="文本占位符 6">
             <a:extLst>
               <a:ext uri="{FF2B5EF4-FFF2-40B4-BE49-F238E27FC236}">
-                <a16:creationId xmlns="" xmlns:a16="http://schemas.microsoft.com/office/drawing/2014/main" id="{51B747F8-F775-4C03-8006-695EBF5BC79A}"/>
+                <a16:creationId xmlns:a16="http://schemas.microsoft.com/office/drawing/2014/main" xmlns="" id="{51B747F8-F775-4C03-8006-695EBF5BC79A}"/>
               </a:ext>
             </a:extLst>
           </p:cNvPr>
@@ -8896,7 +8878,7 @@
           <p:cNvPr id="6" name="文本占位符 8">
             <a:extLst>
               <a:ext uri="{FF2B5EF4-FFF2-40B4-BE49-F238E27FC236}">
-                <a16:creationId xmlns="" xmlns:a16="http://schemas.microsoft.com/office/drawing/2014/main" id="{260DE32A-59D5-4F2D-886A-335919159D59}"/>
+                <a16:creationId xmlns:a16="http://schemas.microsoft.com/office/drawing/2014/main" xmlns="" id="{260DE32A-59D5-4F2D-886A-335919159D59}"/>
               </a:ext>
             </a:extLst>
           </p:cNvPr>
@@ -8945,7 +8927,7 @@
           <p:cNvPr id="7" name="文本占位符 11">
             <a:extLst>
               <a:ext uri="{FF2B5EF4-FFF2-40B4-BE49-F238E27FC236}">
-                <a16:creationId xmlns="" xmlns:a16="http://schemas.microsoft.com/office/drawing/2014/main" id="{EA7EDEE9-3A42-49B2-BD47-C46085EC2BEA}"/>
+                <a16:creationId xmlns:a16="http://schemas.microsoft.com/office/drawing/2014/main" xmlns="" id="{EA7EDEE9-3A42-49B2-BD47-C46085EC2BEA}"/>
               </a:ext>
             </a:extLst>
           </p:cNvPr>
@@ -9071,7 +9053,7 @@
           <p:cNvPr id="8" name="文本占位符 6">
             <a:extLst>
               <a:ext uri="{FF2B5EF4-FFF2-40B4-BE49-F238E27FC236}">
-                <a16:creationId xmlns="" xmlns:a16="http://schemas.microsoft.com/office/drawing/2014/main" id="{0FFA9827-5965-4F98-9704-22F6894680AD}"/>
+                <a16:creationId xmlns:a16="http://schemas.microsoft.com/office/drawing/2014/main" xmlns="" id="{0FFA9827-5965-4F98-9704-22F6894680AD}"/>
               </a:ext>
             </a:extLst>
           </p:cNvPr>
@@ -9121,7 +9103,7 @@
           <p:cNvPr id="9" name="文本占位符 8">
             <a:extLst>
               <a:ext uri="{FF2B5EF4-FFF2-40B4-BE49-F238E27FC236}">
-                <a16:creationId xmlns="" xmlns:a16="http://schemas.microsoft.com/office/drawing/2014/main" id="{BC44D10F-98B3-4447-BD5F-1E13B171523F}"/>
+                <a16:creationId xmlns:a16="http://schemas.microsoft.com/office/drawing/2014/main" xmlns="" id="{BC44D10F-98B3-4447-BD5F-1E13B171523F}"/>
               </a:ext>
             </a:extLst>
           </p:cNvPr>
@@ -9170,7 +9152,7 @@
           <p:cNvPr id="10" name="文本占位符 11">
             <a:extLst>
               <a:ext uri="{FF2B5EF4-FFF2-40B4-BE49-F238E27FC236}">
-                <a16:creationId xmlns="" xmlns:a16="http://schemas.microsoft.com/office/drawing/2014/main" id="{2A8A1101-A9A6-4480-BA42-256A547D2ECA}"/>
+                <a16:creationId xmlns:a16="http://schemas.microsoft.com/office/drawing/2014/main" xmlns="" id="{2A8A1101-A9A6-4480-BA42-256A547D2ECA}"/>
               </a:ext>
             </a:extLst>
           </p:cNvPr>
@@ -9296,7 +9278,7 @@
           <p:cNvPr id="5" name="文本占位符 6">
             <a:extLst>
               <a:ext uri="{FF2B5EF4-FFF2-40B4-BE49-F238E27FC236}">
-                <a16:creationId xmlns="" xmlns:a16="http://schemas.microsoft.com/office/drawing/2014/main" id="{E5DC9E5E-C9D0-4706-B2FF-D538934AE3EC}"/>
+                <a16:creationId xmlns:a16="http://schemas.microsoft.com/office/drawing/2014/main" xmlns="" id="{E5DC9E5E-C9D0-4706-B2FF-D538934AE3EC}"/>
               </a:ext>
             </a:extLst>
           </p:cNvPr>
@@ -9346,7 +9328,7 @@
           <p:cNvPr id="6" name="文本占位符 8">
             <a:extLst>
               <a:ext uri="{FF2B5EF4-FFF2-40B4-BE49-F238E27FC236}">
-                <a16:creationId xmlns="" xmlns:a16="http://schemas.microsoft.com/office/drawing/2014/main" id="{1B0DC6BA-C7D1-4FAE-A338-9C2CC67AEDE6}"/>
+                <a16:creationId xmlns:a16="http://schemas.microsoft.com/office/drawing/2014/main" xmlns="" id="{1B0DC6BA-C7D1-4FAE-A338-9C2CC67AEDE6}"/>
               </a:ext>
             </a:extLst>
           </p:cNvPr>
@@ -9395,7 +9377,7 @@
           <p:cNvPr id="7" name="文本占位符 11">
             <a:extLst>
               <a:ext uri="{FF2B5EF4-FFF2-40B4-BE49-F238E27FC236}">
-                <a16:creationId xmlns="" xmlns:a16="http://schemas.microsoft.com/office/drawing/2014/main" id="{A26542D8-C68A-42A7-A137-D300C381F05A}"/>
+                <a16:creationId xmlns:a16="http://schemas.microsoft.com/office/drawing/2014/main" xmlns="" id="{A26542D8-C68A-42A7-A137-D300C381F05A}"/>
               </a:ext>
             </a:extLst>
           </p:cNvPr>
@@ -9528,7 +9510,7 @@
           <p:cNvPr id="5" name="文本占位符 6">
             <a:extLst>
               <a:ext uri="{FF2B5EF4-FFF2-40B4-BE49-F238E27FC236}">
-                <a16:creationId xmlns="" xmlns:a16="http://schemas.microsoft.com/office/drawing/2014/main" id="{C490B658-28BC-4259-9E94-63737711DC9D}"/>
+                <a16:creationId xmlns:a16="http://schemas.microsoft.com/office/drawing/2014/main" xmlns="" id="{C490B658-28BC-4259-9E94-63737711DC9D}"/>
               </a:ext>
             </a:extLst>
           </p:cNvPr>
@@ -9578,7 +9560,7 @@
           <p:cNvPr id="6" name="文本占位符 8">
             <a:extLst>
               <a:ext uri="{FF2B5EF4-FFF2-40B4-BE49-F238E27FC236}">
-                <a16:creationId xmlns="" xmlns:a16="http://schemas.microsoft.com/office/drawing/2014/main" id="{6F86AA07-F9FC-42DE-9E68-4B610114E291}"/>
+                <a16:creationId xmlns:a16="http://schemas.microsoft.com/office/drawing/2014/main" xmlns="" id="{6F86AA07-F9FC-42DE-9E68-4B610114E291}"/>
               </a:ext>
             </a:extLst>
           </p:cNvPr>
@@ -9627,7 +9609,7 @@
           <p:cNvPr id="7" name="文本占位符 11">
             <a:extLst>
               <a:ext uri="{FF2B5EF4-FFF2-40B4-BE49-F238E27FC236}">
-                <a16:creationId xmlns="" xmlns:a16="http://schemas.microsoft.com/office/drawing/2014/main" id="{D9F34C0B-7767-4C36-B2A7-4ACEF64AAF99}"/>
+                <a16:creationId xmlns:a16="http://schemas.microsoft.com/office/drawing/2014/main" xmlns="" id="{D9F34C0B-7767-4C36-B2A7-4ACEF64AAF99}"/>
               </a:ext>
             </a:extLst>
           </p:cNvPr>
@@ -9760,7 +9742,7 @@
           <p:cNvPr id="5" name="文本占位符 6">
             <a:extLst>
               <a:ext uri="{FF2B5EF4-FFF2-40B4-BE49-F238E27FC236}">
-                <a16:creationId xmlns="" xmlns:a16="http://schemas.microsoft.com/office/drawing/2014/main" id="{BA7409D7-F1CB-4000-8188-61FC2BE4B64D}"/>
+                <a16:creationId xmlns:a16="http://schemas.microsoft.com/office/drawing/2014/main" xmlns="" id="{BA7409D7-F1CB-4000-8188-61FC2BE4B64D}"/>
               </a:ext>
             </a:extLst>
           </p:cNvPr>
@@ -9810,7 +9792,7 @@
           <p:cNvPr id="6" name="文本占位符 8">
             <a:extLst>
               <a:ext uri="{FF2B5EF4-FFF2-40B4-BE49-F238E27FC236}">
-                <a16:creationId xmlns="" xmlns:a16="http://schemas.microsoft.com/office/drawing/2014/main" id="{C07AF260-D626-4456-8D45-B918B55E2AB6}"/>
+                <a16:creationId xmlns:a16="http://schemas.microsoft.com/office/drawing/2014/main" xmlns="" id="{C07AF260-D626-4456-8D45-B918B55E2AB6}"/>
               </a:ext>
             </a:extLst>
           </p:cNvPr>
@@ -9859,7 +9841,7 @@
           <p:cNvPr id="7" name="文本占位符 11">
             <a:extLst>
               <a:ext uri="{FF2B5EF4-FFF2-40B4-BE49-F238E27FC236}">
-                <a16:creationId xmlns="" xmlns:a16="http://schemas.microsoft.com/office/drawing/2014/main" id="{C862E896-F984-4D87-9C64-4C33973A8E3B}"/>
+                <a16:creationId xmlns:a16="http://schemas.microsoft.com/office/drawing/2014/main" xmlns="" id="{C862E896-F984-4D87-9C64-4C33973A8E3B}"/>
               </a:ext>
             </a:extLst>
           </p:cNvPr>
@@ -9997,7 +9979,7 @@
           <p:cNvPr id="7" name="图片 6">
             <a:extLst>
               <a:ext uri="{FF2B5EF4-FFF2-40B4-BE49-F238E27FC236}">
-                <a16:creationId xmlns="" xmlns:a16="http://schemas.microsoft.com/office/drawing/2014/main" id="{81F67F6C-528C-46AA-AA05-6EAB68DE62D5}"/>
+                <a16:creationId xmlns:a16="http://schemas.microsoft.com/office/drawing/2014/main" xmlns="" id="{81F67F6C-528C-46AA-AA05-6EAB68DE62D5}"/>
               </a:ext>
             </a:extLst>
           </p:cNvPr>
@@ -10033,7 +10015,7 @@
           <p:cNvPr id="8" name="合并 3">
             <a:extLst>
               <a:ext uri="{FF2B5EF4-FFF2-40B4-BE49-F238E27FC236}">
-                <a16:creationId xmlns="" xmlns:a16="http://schemas.microsoft.com/office/drawing/2014/main" id="{E5EAD751-ABE6-490C-B213-7282BB046774}"/>
+                <a16:creationId xmlns:a16="http://schemas.microsoft.com/office/drawing/2014/main" xmlns="" id="{E5EAD751-ABE6-490C-B213-7282BB046774}"/>
               </a:ext>
             </a:extLst>
           </p:cNvPr>
@@ -10085,7 +10067,7 @@
           <p:cNvPr id="9" name="直线连接符 4">
             <a:extLst>
               <a:ext uri="{FF2B5EF4-FFF2-40B4-BE49-F238E27FC236}">
-                <a16:creationId xmlns="" xmlns:a16="http://schemas.microsoft.com/office/drawing/2014/main" id="{00BD2E93-B041-4871-8BE5-198A7F200D3E}"/>
+                <a16:creationId xmlns:a16="http://schemas.microsoft.com/office/drawing/2014/main" xmlns="" id="{00BD2E93-B041-4871-8BE5-198A7F200D3E}"/>
               </a:ext>
             </a:extLst>
           </p:cNvPr>
@@ -10128,7 +10110,7 @@
           <p:cNvPr id="11" name="文本框 10">
             <a:extLst>
               <a:ext uri="{FF2B5EF4-FFF2-40B4-BE49-F238E27FC236}">
-                <a16:creationId xmlns="" xmlns:a16="http://schemas.microsoft.com/office/drawing/2014/main" id="{33B8CB84-C75F-4981-8B43-853040BE138F}"/>
+                <a16:creationId xmlns:a16="http://schemas.microsoft.com/office/drawing/2014/main" xmlns="" id="{33B8CB84-C75F-4981-8B43-853040BE138F}"/>
               </a:ext>
             </a:extLst>
           </p:cNvPr>
@@ -10498,7 +10480,7 @@
           <p:cNvPr id="4" name="图片 3">
             <a:extLst>
               <a:ext uri="{FF2B5EF4-FFF2-40B4-BE49-F238E27FC236}">
-                <a16:creationId xmlns="" xmlns:a16="http://schemas.microsoft.com/office/drawing/2014/main" id="{539E9A19-E764-4C57-A32C-8C5B93CDBD67}"/>
+                <a16:creationId xmlns:a16="http://schemas.microsoft.com/office/drawing/2014/main" xmlns="" id="{539E9A19-E764-4C57-A32C-8C5B93CDBD67}"/>
               </a:ext>
             </a:extLst>
           </p:cNvPr>
@@ -10534,7 +10516,7 @@
           <p:cNvPr id="12" name="图片 11">
             <a:extLst>
               <a:ext uri="{FF2B5EF4-FFF2-40B4-BE49-F238E27FC236}">
-                <a16:creationId xmlns="" xmlns:a16="http://schemas.microsoft.com/office/drawing/2014/main" id="{3FB7AB57-3B51-4DC1-B38E-49095123550F}"/>
+                <a16:creationId xmlns:a16="http://schemas.microsoft.com/office/drawing/2014/main" xmlns="" id="{3FB7AB57-3B51-4DC1-B38E-49095123550F}"/>
               </a:ext>
             </a:extLst>
           </p:cNvPr>
@@ -10570,7 +10552,7 @@
           <p:cNvPr id="7" name="文本框 8">
             <a:extLst>
               <a:ext uri="{FF2B5EF4-FFF2-40B4-BE49-F238E27FC236}">
-                <a16:creationId xmlns="" xmlns:a16="http://schemas.microsoft.com/office/drawing/2014/main" id="{BFB5A34E-F0E4-412F-A1F0-9678D92435C7}"/>
+                <a16:creationId xmlns:a16="http://schemas.microsoft.com/office/drawing/2014/main" xmlns="" id="{BFB5A34E-F0E4-412F-A1F0-9678D92435C7}"/>
               </a:ext>
             </a:extLst>
           </p:cNvPr>
@@ -11111,7 +11093,7 @@
           <p:cNvPr id="4" name="图片 3">
             <a:extLst>
               <a:ext uri="{FF2B5EF4-FFF2-40B4-BE49-F238E27FC236}">
-                <a16:creationId xmlns="" xmlns:a16="http://schemas.microsoft.com/office/drawing/2014/main" id="{539E9A19-E764-4C57-A32C-8C5B93CDBD67}"/>
+                <a16:creationId xmlns:a16="http://schemas.microsoft.com/office/drawing/2014/main" xmlns="" id="{539E9A19-E764-4C57-A32C-8C5B93CDBD67}"/>
               </a:ext>
             </a:extLst>
           </p:cNvPr>
@@ -11147,7 +11129,7 @@
           <p:cNvPr id="12" name="图片 11">
             <a:extLst>
               <a:ext uri="{FF2B5EF4-FFF2-40B4-BE49-F238E27FC236}">
-                <a16:creationId xmlns="" xmlns:a16="http://schemas.microsoft.com/office/drawing/2014/main" id="{3FB7AB57-3B51-4DC1-B38E-49095123550F}"/>
+                <a16:creationId xmlns:a16="http://schemas.microsoft.com/office/drawing/2014/main" xmlns="" id="{3FB7AB57-3B51-4DC1-B38E-49095123550F}"/>
               </a:ext>
             </a:extLst>
           </p:cNvPr>
@@ -11184,7 +11166,7 @@
           <p:cNvPr id="7" name="文本框 6">
             <a:extLst>
               <a:ext uri="{FF2B5EF4-FFF2-40B4-BE49-F238E27FC236}">
-                <a16:creationId xmlns="" xmlns:a16="http://schemas.microsoft.com/office/drawing/2014/main" id="{571E9C28-A33E-4F62-82A5-E5D95985049D}"/>
+                <a16:creationId xmlns:a16="http://schemas.microsoft.com/office/drawing/2014/main" xmlns="" id="{571E9C28-A33E-4F62-82A5-E5D95985049D}"/>
               </a:ext>
             </a:extLst>
           </p:cNvPr>
@@ -11685,11 +11667,7 @@
             </a:r>
             <a:r>
               <a:rPr lang="zh-CN" altLang="en-US" dirty="0" smtClean="0"/>
-              <a:t>车万</a:t>
-            </a:r>
-            <a:r>
-              <a:rPr lang="zh-CN" altLang="en-US" dirty="0" smtClean="0"/>
-              <a:t>家</a:t>
+              <a:t>车万家</a:t>
             </a:r>
             <a:endParaRPr lang="en-US" altLang="zh-CN" dirty="0" smtClean="0"/>
           </a:p>
@@ -12209,11 +12187,7 @@
             </a:r>
             <a:r>
               <a:rPr lang="zh-CN" altLang="en-US" sz="1600" dirty="0" smtClean="0"/>
-              <a:t>容器化</a:t>
-            </a:r>
-            <a:r>
-              <a:rPr lang="zh-CN" altLang="en-US" sz="1600" dirty="0" smtClean="0"/>
-              <a:t>部署，</a:t>
+              <a:t>容器化部署，</a:t>
             </a:r>
             <a:r>
               <a:rPr lang="zh-CN" altLang="en-US" sz="1600" dirty="0" smtClean="0">
@@ -12231,11 +12205,6 @@
               </a:rPr>
               <a:t>20%~30%</a:t>
             </a:r>
-            <a:endParaRPr lang="en-US" altLang="zh-CN" sz="1600" dirty="0" smtClean="0">
-              <a:solidFill>
-                <a:srgbClr val="FF0000"/>
-              </a:solidFill>
-            </a:endParaRPr>
           </a:p>
           <a:p>
             <a:r>
@@ -12274,11 +12243,6 @@
               </a:rPr>
               <a:t>50%</a:t>
             </a:r>
-            <a:endParaRPr lang="en-US" altLang="zh-CN" sz="1600" dirty="0" smtClean="0">
-              <a:solidFill>
-                <a:srgbClr val="FF0000"/>
-              </a:solidFill>
-            </a:endParaRPr>
           </a:p>
           <a:p>
             <a:r>
@@ -12321,11 +12285,6 @@
               </a:rPr>
               <a:t>40%</a:t>
             </a:r>
-            <a:endParaRPr lang="en-US" altLang="zh-CN" sz="1600" dirty="0" smtClean="0">
-              <a:solidFill>
-                <a:srgbClr val="FF0000"/>
-              </a:solidFill>
-            </a:endParaRPr>
           </a:p>
           <a:p>
             <a:endParaRPr lang="en-US" altLang="zh-CN" sz="1600" dirty="0" smtClean="0"/>
@@ -12468,15 +12427,7 @@
           <a:p>
             <a:r>
               <a:rPr lang="zh-CN" altLang="en-US" sz="1600" dirty="0" smtClean="0"/>
-              <a:t>单人成本降低：依托分布式核心底层</a:t>
-            </a:r>
-            <a:r>
-              <a:rPr lang="zh-CN" altLang="en-US" sz="1600" dirty="0" smtClean="0"/>
-              <a:t>，刚</a:t>
-            </a:r>
-            <a:r>
-              <a:rPr lang="zh-CN" altLang="en-US" sz="1600" dirty="0" smtClean="0"/>
-              <a:t>毕业的大学生即可胜任业务开发</a:t>
+              <a:t>单人成本降低：依托分布式核心底层，刚毕业的大学生即可胜任业务开发</a:t>
             </a:r>
             <a:r>
               <a:rPr lang="zh-CN" altLang="en-US" sz="1600" dirty="0"/>
@@ -12506,11 +12457,6 @@
               </a:rPr>
               <a:t>40%</a:t>
             </a:r>
-            <a:endParaRPr lang="en-US" altLang="zh-CN" sz="1600" dirty="0" smtClean="0">
-              <a:solidFill>
-                <a:srgbClr val="FF0000"/>
-              </a:solidFill>
-            </a:endParaRPr>
           </a:p>
           <a:p>
             <a:r>
@@ -12522,15 +12468,7 @@
           <a:p>
             <a:r>
               <a:rPr lang="zh-CN" altLang="en-US" sz="1600" dirty="0" smtClean="0"/>
-              <a:t>单人工效提升：开发者不在研究耗时技术难点，只写增删改查，显著提升单人</a:t>
-            </a:r>
-            <a:r>
-              <a:rPr lang="zh-CN" altLang="en-US" sz="1600" dirty="0" smtClean="0"/>
-              <a:t>工作效率</a:t>
-            </a:r>
-            <a:r>
-              <a:rPr lang="zh-CN" altLang="en-US" sz="1600" dirty="0" smtClean="0"/>
-              <a:t>，</a:t>
+              <a:t>单人工效提升：开发者不在研究耗时技术难点，只写增删改查，显著提升单人工作效率，</a:t>
             </a:r>
             <a:r>
               <a:rPr lang="zh-CN" altLang="en-US" sz="1600" dirty="0" smtClean="0">
@@ -13072,11 +13010,7 @@
           <a:p>
             <a:r>
               <a:rPr lang="zh-CN" altLang="en-US" sz="1600" dirty="0" smtClean="0"/>
-              <a:t>制造业</a:t>
-            </a:r>
-            <a:r>
-              <a:rPr lang="zh-CN" altLang="en-US" sz="1600" dirty="0" smtClean="0"/>
-              <a:t>、餐饮业、美业、旅游业、文化</a:t>
+              <a:t>制造业、餐饮业、美业、旅游业、文化</a:t>
             </a:r>
             <a:r>
               <a:rPr lang="en-US" altLang="zh-CN" sz="1600" dirty="0" smtClean="0"/>
@@ -13734,7 +13668,7 @@
           <p:nvPr>
             <p:extLst>
               <p:ext uri="{D42A27DB-BD31-4B8C-83A1-F6EECF244321}">
-                <p14:modId xmlns:p14="http://schemas.microsoft.com/office/powerpoint/2010/main" val="205801406"/>
+                <p14:modId xmlns:p14="http://schemas.microsoft.com/office/powerpoint/2010/main" val="4053237921"/>
               </p:ext>
             </p:extLst>
           </p:nvPr>
@@ -13912,11 +13846,7 @@
                       </a:r>
                       <a:r>
                         <a:rPr lang="zh-CN" altLang="en-US" sz="1400" dirty="0" smtClean="0"/>
-                        <a:t>个系统，解决当前遗留问题</a:t>
-                      </a:r>
-                      <a:r>
-                        <a:rPr lang="zh-CN" altLang="en-US" sz="1400" dirty="0" smtClean="0"/>
-                        <a:t>。</a:t>
+                        <a:t>个系统，解决当前遗留问题。</a:t>
                       </a:r>
                       <a:endParaRPr lang="en-US" altLang="zh-CN" sz="1400" dirty="0" smtClean="0"/>
                     </a:p>
@@ -13929,11 +13859,6 @@
                         </a:rPr>
                         <a:t>长期维护性工作</a:t>
                       </a:r>
-                      <a:endParaRPr lang="zh-CN" altLang="en-US" sz="1400" dirty="0" smtClean="0">
-                        <a:solidFill>
-                          <a:srgbClr val="FF0000"/>
-                        </a:solidFill>
-                      </a:endParaRPr>
                     </a:p>
                   </a:txBody>
                   <a:tcPr anchor="ctr"/>
@@ -13984,11 +13909,7 @@
                     <a:p>
                       <a:r>
                         <a:rPr lang="zh-CN" altLang="en-US" sz="1400" dirty="0" smtClean="0"/>
-                        <a:t>不断优化、改进智能运营系统，将其职能融入到其他电商平台中</a:t>
-                      </a:r>
-                      <a:r>
-                        <a:rPr lang="zh-CN" altLang="en-US" sz="1400" dirty="0" smtClean="0"/>
-                        <a:t>。</a:t>
+                        <a:t>不断优化、改进智能运营系统，将其职能融入到其他电商平台中。</a:t>
                       </a:r>
                       <a:r>
                         <a:rPr lang="en-US" altLang="zh-CN" sz="1400" dirty="0" smtClean="0"/>
@@ -14014,11 +13935,6 @@
                         </a:rPr>
                         <a:t>个月内上线运行</a:t>
                       </a:r>
-                      <a:endParaRPr lang="zh-CN" altLang="en-US" sz="1400" dirty="0" smtClean="0">
-                        <a:solidFill>
-                          <a:srgbClr val="FF0000"/>
-                        </a:solidFill>
-                      </a:endParaRPr>
                     </a:p>
                   </a:txBody>
                   <a:tcPr anchor="ctr"/>
@@ -14077,14 +13993,18 @@
                     <a:p>
                       <a:r>
                         <a:rPr lang="zh-CN" altLang="en-US" sz="1600" dirty="0" smtClean="0"/>
-                        <a:t>第三季度：完成开工作，上线第一个版本，投入生产。</a:t>
+                        <a:t>第三季度：完成开工作，上线第一个版本，投入生产</a:t>
+                      </a:r>
+                      <a:r>
+                        <a:rPr lang="zh-CN" altLang="en-US" sz="1600" dirty="0" smtClean="0"/>
+                        <a:t>。</a:t>
                       </a:r>
                       <a:endParaRPr lang="en-US" altLang="zh-CN" sz="1600" dirty="0" smtClean="0"/>
                     </a:p>
                     <a:p>
                       <a:r>
                         <a:rPr lang="zh-CN" altLang="en-US" sz="1600" dirty="0" smtClean="0"/>
-                        <a:t>第四季度：完成第二个版本的开发工作，投入生产。</a:t>
+                        <a:t>第四季度：根据上线后的情况调整和修改。</a:t>
                       </a:r>
                       <a:endParaRPr lang="zh-CN" altLang="en-US" sz="1600" dirty="0">
                         <a:solidFill>
@@ -14110,11 +14030,7 @@
                       </a:r>
                       <a:r>
                         <a:rPr lang="zh-CN" altLang="en-US" sz="1400" dirty="0" smtClean="0"/>
-                        <a:t>现有的功能的重写工作</a:t>
-                      </a:r>
-                      <a:r>
-                        <a:rPr lang="zh-CN" altLang="en-US" sz="1400" dirty="0" smtClean="0"/>
-                        <a:t>。包含：会员管理、营销管理、门店管理</a:t>
+                        <a:t>现有的功能的重写工作。包含：会员管理、营销管理、门店管理</a:t>
                       </a:r>
                       <a:r>
                         <a:rPr lang="en-US" altLang="zh-CN" sz="1400" dirty="0" smtClean="0"/>
@@ -14137,11 +14053,7 @@
                     <a:p>
                       <a:r>
                         <a:rPr lang="zh-CN" altLang="en-US" sz="1400" dirty="0" smtClean="0"/>
-                        <a:t>提升系统并发</a:t>
-                      </a:r>
-                      <a:r>
-                        <a:rPr lang="zh-CN" altLang="en-US" sz="1400" dirty="0" smtClean="0"/>
-                        <a:t>性能约</a:t>
+                        <a:t>提升系统并发性能约</a:t>
                       </a:r>
                       <a:r>
                         <a:rPr lang="en-US" altLang="zh-CN" sz="1400" dirty="0" smtClean="0"/>
@@ -14149,15 +14061,7 @@
                       </a:r>
                       <a:r>
                         <a:rPr lang="zh-CN" altLang="en-US" sz="1400" dirty="0" smtClean="0"/>
-                        <a:t>倍：</a:t>
-                      </a:r>
-                      <a:r>
-                        <a:rPr lang="zh-CN" altLang="en-US" sz="1400" dirty="0" smtClean="0"/>
-                        <a:t>下单吞吐量</a:t>
-                      </a:r>
-                      <a:r>
-                        <a:rPr lang="zh-CN" altLang="en-US" sz="1400" dirty="0" smtClean="0"/>
-                        <a:t>达到</a:t>
+                        <a:t>倍：下单吞吐量达到</a:t>
                       </a:r>
                       <a:r>
                         <a:rPr lang="en-US" altLang="zh-CN" sz="1400" dirty="0" smtClean="0"/>
@@ -14226,11 +14130,6 @@
                         </a:rPr>
                         <a:t>个月内上线运营</a:t>
                       </a:r>
-                      <a:endParaRPr lang="zh-CN" altLang="en-US" sz="1400" dirty="0" smtClean="0">
-                        <a:solidFill>
-                          <a:srgbClr val="FF0000"/>
-                        </a:solidFill>
-                      </a:endParaRPr>
                     </a:p>
                   </a:txBody>
                   <a:tcPr anchor="ctr"/>
@@ -14346,11 +14245,7 @@
                       </a:r>
                       <a:r>
                         <a:rPr lang="zh-CN" altLang="en-US" sz="1400" dirty="0" smtClean="0"/>
-                        <a:t>使用；提炼出券独有功能，形成中台网关能力，为新门店系统赋能</a:t>
-                      </a:r>
-                      <a:r>
-                        <a:rPr lang="zh-CN" altLang="en-US" sz="1400" dirty="0" smtClean="0"/>
-                        <a:t>。</a:t>
+                        <a:t>使用；提炼出券独有功能，形成中台网关能力，为新门店系统赋能。</a:t>
                       </a:r>
                       <a:endParaRPr lang="en-US" altLang="zh-CN" sz="1400" dirty="0" smtClean="0"/>
                     </a:p>
@@ -14387,11 +14282,6 @@
                         </a:rPr>
                         <a:t>个月内重构完成</a:t>
                       </a:r>
-                      <a:endParaRPr lang="zh-CN" altLang="en-US" sz="1400" dirty="0" smtClean="0">
-                        <a:solidFill>
-                          <a:srgbClr val="FF0000"/>
-                        </a:solidFill>
-                      </a:endParaRPr>
                     </a:p>
                   </a:txBody>
                   <a:tcPr anchor="ctr"/>

--- a/中企动力/2019年OMO电商中台发展规划 - 杨成琳.pptx
+++ b/中企动力/2019年OMO电商中台发展规划 - 杨成琳.pptx
@@ -7442,7 +7442,7 @@
           <p:cNvPr id="5" name="文本占位符 6">
             <a:extLst>
               <a:ext uri="{FF2B5EF4-FFF2-40B4-BE49-F238E27FC236}">
-                <a16:creationId xmlns:a16="http://schemas.microsoft.com/office/drawing/2014/main" xmlns="" id="{873D21D7-31B0-4BB9-B2E7-159451257B1E}"/>
+                <a16:creationId xmlns="" xmlns:a16="http://schemas.microsoft.com/office/drawing/2014/main" id="{873D21D7-31B0-4BB9-B2E7-159451257B1E}"/>
               </a:ext>
             </a:extLst>
           </p:cNvPr>
@@ -7492,7 +7492,7 @@
           <p:cNvPr id="6" name="文本占位符 8">
             <a:extLst>
               <a:ext uri="{FF2B5EF4-FFF2-40B4-BE49-F238E27FC236}">
-                <a16:creationId xmlns:a16="http://schemas.microsoft.com/office/drawing/2014/main" xmlns="" id="{80963383-27C2-4B3B-B80B-79837FF85A35}"/>
+                <a16:creationId xmlns="" xmlns:a16="http://schemas.microsoft.com/office/drawing/2014/main" id="{80963383-27C2-4B3B-B80B-79837FF85A35}"/>
               </a:ext>
             </a:extLst>
           </p:cNvPr>
@@ -7541,7 +7541,7 @@
           <p:cNvPr id="8" name="文本占位符 11">
             <a:extLst>
               <a:ext uri="{FF2B5EF4-FFF2-40B4-BE49-F238E27FC236}">
-                <a16:creationId xmlns:a16="http://schemas.microsoft.com/office/drawing/2014/main" xmlns="" id="{2ACD552C-C7ED-462C-91CD-7E3F3144B2E3}"/>
+                <a16:creationId xmlns="" xmlns:a16="http://schemas.microsoft.com/office/drawing/2014/main" id="{2ACD552C-C7ED-462C-91CD-7E3F3144B2E3}"/>
               </a:ext>
             </a:extLst>
           </p:cNvPr>
@@ -7674,7 +7674,7 @@
           <p:cNvPr id="5" name="文本占位符 6">
             <a:extLst>
               <a:ext uri="{FF2B5EF4-FFF2-40B4-BE49-F238E27FC236}">
-                <a16:creationId xmlns:a16="http://schemas.microsoft.com/office/drawing/2014/main" xmlns="" id="{315D7E23-9D84-4DA5-943A-54BC395DE784}"/>
+                <a16:creationId xmlns="" xmlns:a16="http://schemas.microsoft.com/office/drawing/2014/main" id="{315D7E23-9D84-4DA5-943A-54BC395DE784}"/>
               </a:ext>
             </a:extLst>
           </p:cNvPr>
@@ -7724,7 +7724,7 @@
           <p:cNvPr id="6" name="文本占位符 8">
             <a:extLst>
               <a:ext uri="{FF2B5EF4-FFF2-40B4-BE49-F238E27FC236}">
-                <a16:creationId xmlns:a16="http://schemas.microsoft.com/office/drawing/2014/main" xmlns="" id="{9E444FBB-2E3C-459C-AE28-D84914882072}"/>
+                <a16:creationId xmlns="" xmlns:a16="http://schemas.microsoft.com/office/drawing/2014/main" id="{9E444FBB-2E3C-459C-AE28-D84914882072}"/>
               </a:ext>
             </a:extLst>
           </p:cNvPr>
@@ -7773,7 +7773,7 @@
           <p:cNvPr id="7" name="文本占位符 11">
             <a:extLst>
               <a:ext uri="{FF2B5EF4-FFF2-40B4-BE49-F238E27FC236}">
-                <a16:creationId xmlns:a16="http://schemas.microsoft.com/office/drawing/2014/main" xmlns="" id="{1930036D-D72C-4CCE-A8B5-F36A6CED80C0}"/>
+                <a16:creationId xmlns="" xmlns:a16="http://schemas.microsoft.com/office/drawing/2014/main" id="{1930036D-D72C-4CCE-A8B5-F36A6CED80C0}"/>
               </a:ext>
             </a:extLst>
           </p:cNvPr>
@@ -7906,7 +7906,7 @@
           <p:cNvPr id="5" name="文本占位符 6">
             <a:extLst>
               <a:ext uri="{FF2B5EF4-FFF2-40B4-BE49-F238E27FC236}">
-                <a16:creationId xmlns:a16="http://schemas.microsoft.com/office/drawing/2014/main" xmlns="" id="{F42028AA-AAD4-4ECF-9CE4-2593FC0667E3}"/>
+                <a16:creationId xmlns="" xmlns:a16="http://schemas.microsoft.com/office/drawing/2014/main" id="{F42028AA-AAD4-4ECF-9CE4-2593FC0667E3}"/>
               </a:ext>
             </a:extLst>
           </p:cNvPr>
@@ -7956,7 +7956,7 @@
           <p:cNvPr id="6" name="文本占位符 8">
             <a:extLst>
               <a:ext uri="{FF2B5EF4-FFF2-40B4-BE49-F238E27FC236}">
-                <a16:creationId xmlns:a16="http://schemas.microsoft.com/office/drawing/2014/main" xmlns="" id="{F04FD123-3F81-471E-B691-7AC2169FD91E}"/>
+                <a16:creationId xmlns="" xmlns:a16="http://schemas.microsoft.com/office/drawing/2014/main" id="{F04FD123-3F81-471E-B691-7AC2169FD91E}"/>
               </a:ext>
             </a:extLst>
           </p:cNvPr>
@@ -8005,7 +8005,7 @@
           <p:cNvPr id="7" name="文本占位符 11">
             <a:extLst>
               <a:ext uri="{FF2B5EF4-FFF2-40B4-BE49-F238E27FC236}">
-                <a16:creationId xmlns:a16="http://schemas.microsoft.com/office/drawing/2014/main" xmlns="" id="{8B01A031-0936-4C98-8265-C881A42E60C5}"/>
+                <a16:creationId xmlns="" xmlns:a16="http://schemas.microsoft.com/office/drawing/2014/main" id="{8B01A031-0936-4C98-8265-C881A42E60C5}"/>
               </a:ext>
             </a:extLst>
           </p:cNvPr>
@@ -8138,7 +8138,7 @@
           <p:cNvPr id="2" name="文本占位符 6">
             <a:extLst>
               <a:ext uri="{FF2B5EF4-FFF2-40B4-BE49-F238E27FC236}">
-                <a16:creationId xmlns:a16="http://schemas.microsoft.com/office/drawing/2014/main" xmlns="" id="{82D1EFC9-E519-4111-8C38-4B57190B86EC}"/>
+                <a16:creationId xmlns="" xmlns:a16="http://schemas.microsoft.com/office/drawing/2014/main" id="{82D1EFC9-E519-4111-8C38-4B57190B86EC}"/>
               </a:ext>
             </a:extLst>
           </p:cNvPr>
@@ -8188,7 +8188,7 @@
           <p:cNvPr id="3" name="文本占位符 8">
             <a:extLst>
               <a:ext uri="{FF2B5EF4-FFF2-40B4-BE49-F238E27FC236}">
-                <a16:creationId xmlns:a16="http://schemas.microsoft.com/office/drawing/2014/main" xmlns="" id="{473BCE00-9475-4662-8BEF-1B095C41FE03}"/>
+                <a16:creationId xmlns="" xmlns:a16="http://schemas.microsoft.com/office/drawing/2014/main" id="{473BCE00-9475-4662-8BEF-1B095C41FE03}"/>
               </a:ext>
             </a:extLst>
           </p:cNvPr>
@@ -8237,7 +8237,7 @@
           <p:cNvPr id="4" name="文本占位符 11">
             <a:extLst>
               <a:ext uri="{FF2B5EF4-FFF2-40B4-BE49-F238E27FC236}">
-                <a16:creationId xmlns:a16="http://schemas.microsoft.com/office/drawing/2014/main" xmlns="" id="{0E9FCC39-2201-4121-8A9E-C49180965FCA}"/>
+                <a16:creationId xmlns="" xmlns:a16="http://schemas.microsoft.com/office/drawing/2014/main" id="{0E9FCC39-2201-4121-8A9E-C49180965FCA}"/>
               </a:ext>
             </a:extLst>
           </p:cNvPr>
@@ -8378,7 +8378,7 @@
           <p:cNvPr id="5" name="文本占位符 6">
             <a:extLst>
               <a:ext uri="{FF2B5EF4-FFF2-40B4-BE49-F238E27FC236}">
-                <a16:creationId xmlns:a16="http://schemas.microsoft.com/office/drawing/2014/main" xmlns="" id="{CB50B7AD-8FE4-4F4C-B409-949AC0FC18E3}"/>
+                <a16:creationId xmlns="" xmlns:a16="http://schemas.microsoft.com/office/drawing/2014/main" id="{CB50B7AD-8FE4-4F4C-B409-949AC0FC18E3}"/>
               </a:ext>
             </a:extLst>
           </p:cNvPr>
@@ -8428,7 +8428,7 @@
           <p:cNvPr id="6" name="文本占位符 8">
             <a:extLst>
               <a:ext uri="{FF2B5EF4-FFF2-40B4-BE49-F238E27FC236}">
-                <a16:creationId xmlns:a16="http://schemas.microsoft.com/office/drawing/2014/main" xmlns="" id="{90600837-2451-4D1F-99EE-7326548CA00C}"/>
+                <a16:creationId xmlns="" xmlns:a16="http://schemas.microsoft.com/office/drawing/2014/main" id="{90600837-2451-4D1F-99EE-7326548CA00C}"/>
               </a:ext>
             </a:extLst>
           </p:cNvPr>
@@ -8477,7 +8477,7 @@
           <p:cNvPr id="7" name="文本占位符 11">
             <a:extLst>
               <a:ext uri="{FF2B5EF4-FFF2-40B4-BE49-F238E27FC236}">
-                <a16:creationId xmlns:a16="http://schemas.microsoft.com/office/drawing/2014/main" xmlns="" id="{300F0159-D8C7-4290-AE75-D6FDBAECC408}"/>
+                <a16:creationId xmlns="" xmlns:a16="http://schemas.microsoft.com/office/drawing/2014/main" id="{300F0159-D8C7-4290-AE75-D6FDBAECC408}"/>
               </a:ext>
             </a:extLst>
           </p:cNvPr>
@@ -8603,7 +8603,7 @@
           <p:cNvPr id="5" name="文本占位符 6">
             <a:extLst>
               <a:ext uri="{FF2B5EF4-FFF2-40B4-BE49-F238E27FC236}">
-                <a16:creationId xmlns:a16="http://schemas.microsoft.com/office/drawing/2014/main" xmlns="" id="{6CD4A9A4-23D0-4C44-B00F-A83844CC9EAF}"/>
+                <a16:creationId xmlns="" xmlns:a16="http://schemas.microsoft.com/office/drawing/2014/main" id="{6CD4A9A4-23D0-4C44-B00F-A83844CC9EAF}"/>
               </a:ext>
             </a:extLst>
           </p:cNvPr>
@@ -8653,7 +8653,7 @@
           <p:cNvPr id="6" name="文本占位符 8">
             <a:extLst>
               <a:ext uri="{FF2B5EF4-FFF2-40B4-BE49-F238E27FC236}">
-                <a16:creationId xmlns:a16="http://schemas.microsoft.com/office/drawing/2014/main" xmlns="" id="{FE7F5983-AC3C-4E73-A62F-AA518DC36617}"/>
+                <a16:creationId xmlns="" xmlns:a16="http://schemas.microsoft.com/office/drawing/2014/main" id="{FE7F5983-AC3C-4E73-A62F-AA518DC36617}"/>
               </a:ext>
             </a:extLst>
           </p:cNvPr>
@@ -8702,7 +8702,7 @@
           <p:cNvPr id="7" name="文本占位符 11">
             <a:extLst>
               <a:ext uri="{FF2B5EF4-FFF2-40B4-BE49-F238E27FC236}">
-                <a16:creationId xmlns:a16="http://schemas.microsoft.com/office/drawing/2014/main" xmlns="" id="{5CE6CE51-9735-4E73-ABDB-6D6E79F54154}"/>
+                <a16:creationId xmlns="" xmlns:a16="http://schemas.microsoft.com/office/drawing/2014/main" id="{5CE6CE51-9735-4E73-ABDB-6D6E79F54154}"/>
               </a:ext>
             </a:extLst>
           </p:cNvPr>
@@ -8828,7 +8828,7 @@
           <p:cNvPr id="5" name="文本占位符 6">
             <a:extLst>
               <a:ext uri="{FF2B5EF4-FFF2-40B4-BE49-F238E27FC236}">
-                <a16:creationId xmlns:a16="http://schemas.microsoft.com/office/drawing/2014/main" xmlns="" id="{51B747F8-F775-4C03-8006-695EBF5BC79A}"/>
+                <a16:creationId xmlns="" xmlns:a16="http://schemas.microsoft.com/office/drawing/2014/main" id="{51B747F8-F775-4C03-8006-695EBF5BC79A}"/>
               </a:ext>
             </a:extLst>
           </p:cNvPr>
@@ -8878,7 +8878,7 @@
           <p:cNvPr id="6" name="文本占位符 8">
             <a:extLst>
               <a:ext uri="{FF2B5EF4-FFF2-40B4-BE49-F238E27FC236}">
-                <a16:creationId xmlns:a16="http://schemas.microsoft.com/office/drawing/2014/main" xmlns="" id="{260DE32A-59D5-4F2D-886A-335919159D59}"/>
+                <a16:creationId xmlns="" xmlns:a16="http://schemas.microsoft.com/office/drawing/2014/main" id="{260DE32A-59D5-4F2D-886A-335919159D59}"/>
               </a:ext>
             </a:extLst>
           </p:cNvPr>
@@ -8927,7 +8927,7 @@
           <p:cNvPr id="7" name="文本占位符 11">
             <a:extLst>
               <a:ext uri="{FF2B5EF4-FFF2-40B4-BE49-F238E27FC236}">
-                <a16:creationId xmlns:a16="http://schemas.microsoft.com/office/drawing/2014/main" xmlns="" id="{EA7EDEE9-3A42-49B2-BD47-C46085EC2BEA}"/>
+                <a16:creationId xmlns="" xmlns:a16="http://schemas.microsoft.com/office/drawing/2014/main" id="{EA7EDEE9-3A42-49B2-BD47-C46085EC2BEA}"/>
               </a:ext>
             </a:extLst>
           </p:cNvPr>
@@ -9053,7 +9053,7 @@
           <p:cNvPr id="8" name="文本占位符 6">
             <a:extLst>
               <a:ext uri="{FF2B5EF4-FFF2-40B4-BE49-F238E27FC236}">
-                <a16:creationId xmlns:a16="http://schemas.microsoft.com/office/drawing/2014/main" xmlns="" id="{0FFA9827-5965-4F98-9704-22F6894680AD}"/>
+                <a16:creationId xmlns="" xmlns:a16="http://schemas.microsoft.com/office/drawing/2014/main" id="{0FFA9827-5965-4F98-9704-22F6894680AD}"/>
               </a:ext>
             </a:extLst>
           </p:cNvPr>
@@ -9103,7 +9103,7 @@
           <p:cNvPr id="9" name="文本占位符 8">
             <a:extLst>
               <a:ext uri="{FF2B5EF4-FFF2-40B4-BE49-F238E27FC236}">
-                <a16:creationId xmlns:a16="http://schemas.microsoft.com/office/drawing/2014/main" xmlns="" id="{BC44D10F-98B3-4447-BD5F-1E13B171523F}"/>
+                <a16:creationId xmlns="" xmlns:a16="http://schemas.microsoft.com/office/drawing/2014/main" id="{BC44D10F-98B3-4447-BD5F-1E13B171523F}"/>
               </a:ext>
             </a:extLst>
           </p:cNvPr>
@@ -9152,7 +9152,7 @@
           <p:cNvPr id="10" name="文本占位符 11">
             <a:extLst>
               <a:ext uri="{FF2B5EF4-FFF2-40B4-BE49-F238E27FC236}">
-                <a16:creationId xmlns:a16="http://schemas.microsoft.com/office/drawing/2014/main" xmlns="" id="{2A8A1101-A9A6-4480-BA42-256A547D2ECA}"/>
+                <a16:creationId xmlns="" xmlns:a16="http://schemas.microsoft.com/office/drawing/2014/main" id="{2A8A1101-A9A6-4480-BA42-256A547D2ECA}"/>
               </a:ext>
             </a:extLst>
           </p:cNvPr>
@@ -9278,7 +9278,7 @@
           <p:cNvPr id="5" name="文本占位符 6">
             <a:extLst>
               <a:ext uri="{FF2B5EF4-FFF2-40B4-BE49-F238E27FC236}">
-                <a16:creationId xmlns:a16="http://schemas.microsoft.com/office/drawing/2014/main" xmlns="" id="{E5DC9E5E-C9D0-4706-B2FF-D538934AE3EC}"/>
+                <a16:creationId xmlns="" xmlns:a16="http://schemas.microsoft.com/office/drawing/2014/main" id="{E5DC9E5E-C9D0-4706-B2FF-D538934AE3EC}"/>
               </a:ext>
             </a:extLst>
           </p:cNvPr>
@@ -9328,7 +9328,7 @@
           <p:cNvPr id="6" name="文本占位符 8">
             <a:extLst>
               <a:ext uri="{FF2B5EF4-FFF2-40B4-BE49-F238E27FC236}">
-                <a16:creationId xmlns:a16="http://schemas.microsoft.com/office/drawing/2014/main" xmlns="" id="{1B0DC6BA-C7D1-4FAE-A338-9C2CC67AEDE6}"/>
+                <a16:creationId xmlns="" xmlns:a16="http://schemas.microsoft.com/office/drawing/2014/main" id="{1B0DC6BA-C7D1-4FAE-A338-9C2CC67AEDE6}"/>
               </a:ext>
             </a:extLst>
           </p:cNvPr>
@@ -9377,7 +9377,7 @@
           <p:cNvPr id="7" name="文本占位符 11">
             <a:extLst>
               <a:ext uri="{FF2B5EF4-FFF2-40B4-BE49-F238E27FC236}">
-                <a16:creationId xmlns:a16="http://schemas.microsoft.com/office/drawing/2014/main" xmlns="" id="{A26542D8-C68A-42A7-A137-D300C381F05A}"/>
+                <a16:creationId xmlns="" xmlns:a16="http://schemas.microsoft.com/office/drawing/2014/main" id="{A26542D8-C68A-42A7-A137-D300C381F05A}"/>
               </a:ext>
             </a:extLst>
           </p:cNvPr>
@@ -9510,7 +9510,7 @@
           <p:cNvPr id="5" name="文本占位符 6">
             <a:extLst>
               <a:ext uri="{FF2B5EF4-FFF2-40B4-BE49-F238E27FC236}">
-                <a16:creationId xmlns:a16="http://schemas.microsoft.com/office/drawing/2014/main" xmlns="" id="{C490B658-28BC-4259-9E94-63737711DC9D}"/>
+                <a16:creationId xmlns="" xmlns:a16="http://schemas.microsoft.com/office/drawing/2014/main" id="{C490B658-28BC-4259-9E94-63737711DC9D}"/>
               </a:ext>
             </a:extLst>
           </p:cNvPr>
@@ -9560,7 +9560,7 @@
           <p:cNvPr id="6" name="文本占位符 8">
             <a:extLst>
               <a:ext uri="{FF2B5EF4-FFF2-40B4-BE49-F238E27FC236}">
-                <a16:creationId xmlns:a16="http://schemas.microsoft.com/office/drawing/2014/main" xmlns="" id="{6F86AA07-F9FC-42DE-9E68-4B610114E291}"/>
+                <a16:creationId xmlns="" xmlns:a16="http://schemas.microsoft.com/office/drawing/2014/main" id="{6F86AA07-F9FC-42DE-9E68-4B610114E291}"/>
               </a:ext>
             </a:extLst>
           </p:cNvPr>
@@ -9609,7 +9609,7 @@
           <p:cNvPr id="7" name="文本占位符 11">
             <a:extLst>
               <a:ext uri="{FF2B5EF4-FFF2-40B4-BE49-F238E27FC236}">
-                <a16:creationId xmlns:a16="http://schemas.microsoft.com/office/drawing/2014/main" xmlns="" id="{D9F34C0B-7767-4C36-B2A7-4ACEF64AAF99}"/>
+                <a16:creationId xmlns="" xmlns:a16="http://schemas.microsoft.com/office/drawing/2014/main" id="{D9F34C0B-7767-4C36-B2A7-4ACEF64AAF99}"/>
               </a:ext>
             </a:extLst>
           </p:cNvPr>
@@ -9742,7 +9742,7 @@
           <p:cNvPr id="5" name="文本占位符 6">
             <a:extLst>
               <a:ext uri="{FF2B5EF4-FFF2-40B4-BE49-F238E27FC236}">
-                <a16:creationId xmlns:a16="http://schemas.microsoft.com/office/drawing/2014/main" xmlns="" id="{BA7409D7-F1CB-4000-8188-61FC2BE4B64D}"/>
+                <a16:creationId xmlns="" xmlns:a16="http://schemas.microsoft.com/office/drawing/2014/main" id="{BA7409D7-F1CB-4000-8188-61FC2BE4B64D}"/>
               </a:ext>
             </a:extLst>
           </p:cNvPr>
@@ -9792,7 +9792,7 @@
           <p:cNvPr id="6" name="文本占位符 8">
             <a:extLst>
               <a:ext uri="{FF2B5EF4-FFF2-40B4-BE49-F238E27FC236}">
-                <a16:creationId xmlns:a16="http://schemas.microsoft.com/office/drawing/2014/main" xmlns="" id="{C07AF260-D626-4456-8D45-B918B55E2AB6}"/>
+                <a16:creationId xmlns="" xmlns:a16="http://schemas.microsoft.com/office/drawing/2014/main" id="{C07AF260-D626-4456-8D45-B918B55E2AB6}"/>
               </a:ext>
             </a:extLst>
           </p:cNvPr>
@@ -9841,7 +9841,7 @@
           <p:cNvPr id="7" name="文本占位符 11">
             <a:extLst>
               <a:ext uri="{FF2B5EF4-FFF2-40B4-BE49-F238E27FC236}">
-                <a16:creationId xmlns:a16="http://schemas.microsoft.com/office/drawing/2014/main" xmlns="" id="{C862E896-F984-4D87-9C64-4C33973A8E3B}"/>
+                <a16:creationId xmlns="" xmlns:a16="http://schemas.microsoft.com/office/drawing/2014/main" id="{C862E896-F984-4D87-9C64-4C33973A8E3B}"/>
               </a:ext>
             </a:extLst>
           </p:cNvPr>
@@ -9979,7 +9979,7 @@
           <p:cNvPr id="7" name="图片 6">
             <a:extLst>
               <a:ext uri="{FF2B5EF4-FFF2-40B4-BE49-F238E27FC236}">
-                <a16:creationId xmlns:a16="http://schemas.microsoft.com/office/drawing/2014/main" xmlns="" id="{81F67F6C-528C-46AA-AA05-6EAB68DE62D5}"/>
+                <a16:creationId xmlns="" xmlns:a16="http://schemas.microsoft.com/office/drawing/2014/main" id="{81F67F6C-528C-46AA-AA05-6EAB68DE62D5}"/>
               </a:ext>
             </a:extLst>
           </p:cNvPr>
@@ -10015,7 +10015,7 @@
           <p:cNvPr id="8" name="合并 3">
             <a:extLst>
               <a:ext uri="{FF2B5EF4-FFF2-40B4-BE49-F238E27FC236}">
-                <a16:creationId xmlns:a16="http://schemas.microsoft.com/office/drawing/2014/main" xmlns="" id="{E5EAD751-ABE6-490C-B213-7282BB046774}"/>
+                <a16:creationId xmlns="" xmlns:a16="http://schemas.microsoft.com/office/drawing/2014/main" id="{E5EAD751-ABE6-490C-B213-7282BB046774}"/>
               </a:ext>
             </a:extLst>
           </p:cNvPr>
@@ -10067,7 +10067,7 @@
           <p:cNvPr id="9" name="直线连接符 4">
             <a:extLst>
               <a:ext uri="{FF2B5EF4-FFF2-40B4-BE49-F238E27FC236}">
-                <a16:creationId xmlns:a16="http://schemas.microsoft.com/office/drawing/2014/main" xmlns="" id="{00BD2E93-B041-4871-8BE5-198A7F200D3E}"/>
+                <a16:creationId xmlns="" xmlns:a16="http://schemas.microsoft.com/office/drawing/2014/main" id="{00BD2E93-B041-4871-8BE5-198A7F200D3E}"/>
               </a:ext>
             </a:extLst>
           </p:cNvPr>
@@ -10110,7 +10110,7 @@
           <p:cNvPr id="11" name="文本框 10">
             <a:extLst>
               <a:ext uri="{FF2B5EF4-FFF2-40B4-BE49-F238E27FC236}">
-                <a16:creationId xmlns:a16="http://schemas.microsoft.com/office/drawing/2014/main" xmlns="" id="{33B8CB84-C75F-4981-8B43-853040BE138F}"/>
+                <a16:creationId xmlns="" xmlns:a16="http://schemas.microsoft.com/office/drawing/2014/main" id="{33B8CB84-C75F-4981-8B43-853040BE138F}"/>
               </a:ext>
             </a:extLst>
           </p:cNvPr>
@@ -10480,7 +10480,7 @@
           <p:cNvPr id="4" name="图片 3">
             <a:extLst>
               <a:ext uri="{FF2B5EF4-FFF2-40B4-BE49-F238E27FC236}">
-                <a16:creationId xmlns:a16="http://schemas.microsoft.com/office/drawing/2014/main" xmlns="" id="{539E9A19-E764-4C57-A32C-8C5B93CDBD67}"/>
+                <a16:creationId xmlns="" xmlns:a16="http://schemas.microsoft.com/office/drawing/2014/main" id="{539E9A19-E764-4C57-A32C-8C5B93CDBD67}"/>
               </a:ext>
             </a:extLst>
           </p:cNvPr>
@@ -10516,7 +10516,7 @@
           <p:cNvPr id="12" name="图片 11">
             <a:extLst>
               <a:ext uri="{FF2B5EF4-FFF2-40B4-BE49-F238E27FC236}">
-                <a16:creationId xmlns:a16="http://schemas.microsoft.com/office/drawing/2014/main" xmlns="" id="{3FB7AB57-3B51-4DC1-B38E-49095123550F}"/>
+                <a16:creationId xmlns="" xmlns:a16="http://schemas.microsoft.com/office/drawing/2014/main" id="{3FB7AB57-3B51-4DC1-B38E-49095123550F}"/>
               </a:ext>
             </a:extLst>
           </p:cNvPr>
@@ -10552,7 +10552,7 @@
           <p:cNvPr id="7" name="文本框 8">
             <a:extLst>
               <a:ext uri="{FF2B5EF4-FFF2-40B4-BE49-F238E27FC236}">
-                <a16:creationId xmlns:a16="http://schemas.microsoft.com/office/drawing/2014/main" xmlns="" id="{BFB5A34E-F0E4-412F-A1F0-9678D92435C7}"/>
+                <a16:creationId xmlns="" xmlns:a16="http://schemas.microsoft.com/office/drawing/2014/main" id="{BFB5A34E-F0E4-412F-A1F0-9678D92435C7}"/>
               </a:ext>
             </a:extLst>
           </p:cNvPr>
@@ -11093,7 +11093,7 @@
           <p:cNvPr id="4" name="图片 3">
             <a:extLst>
               <a:ext uri="{FF2B5EF4-FFF2-40B4-BE49-F238E27FC236}">
-                <a16:creationId xmlns:a16="http://schemas.microsoft.com/office/drawing/2014/main" xmlns="" id="{539E9A19-E764-4C57-A32C-8C5B93CDBD67}"/>
+                <a16:creationId xmlns="" xmlns:a16="http://schemas.microsoft.com/office/drawing/2014/main" id="{539E9A19-E764-4C57-A32C-8C5B93CDBD67}"/>
               </a:ext>
             </a:extLst>
           </p:cNvPr>
@@ -11129,7 +11129,7 @@
           <p:cNvPr id="12" name="图片 11">
             <a:extLst>
               <a:ext uri="{FF2B5EF4-FFF2-40B4-BE49-F238E27FC236}">
-                <a16:creationId xmlns:a16="http://schemas.microsoft.com/office/drawing/2014/main" xmlns="" id="{3FB7AB57-3B51-4DC1-B38E-49095123550F}"/>
+                <a16:creationId xmlns="" xmlns:a16="http://schemas.microsoft.com/office/drawing/2014/main" id="{3FB7AB57-3B51-4DC1-B38E-49095123550F}"/>
               </a:ext>
             </a:extLst>
           </p:cNvPr>
@@ -11166,7 +11166,7 @@
           <p:cNvPr id="7" name="文本框 6">
             <a:extLst>
               <a:ext uri="{FF2B5EF4-FFF2-40B4-BE49-F238E27FC236}">
-                <a16:creationId xmlns:a16="http://schemas.microsoft.com/office/drawing/2014/main" xmlns="" id="{571E9C28-A33E-4F62-82A5-E5D95985049D}"/>
+                <a16:creationId xmlns="" xmlns:a16="http://schemas.microsoft.com/office/drawing/2014/main" id="{571E9C28-A33E-4F62-82A5-E5D95985049D}"/>
               </a:ext>
             </a:extLst>
           </p:cNvPr>
@@ -13668,7 +13668,7 @@
           <p:nvPr>
             <p:extLst>
               <p:ext uri="{D42A27DB-BD31-4B8C-83A1-F6EECF244321}">
-                <p14:modId xmlns:p14="http://schemas.microsoft.com/office/powerpoint/2010/main" val="4053237921"/>
+                <p14:modId xmlns:p14="http://schemas.microsoft.com/office/powerpoint/2010/main" val="4053380131"/>
               </p:ext>
             </p:extLst>
           </p:nvPr>
@@ -13993,11 +13993,19 @@
                     <a:p>
                       <a:r>
                         <a:rPr lang="zh-CN" altLang="en-US" sz="1600" dirty="0" smtClean="0"/>
-                        <a:t>第三季度：完成开工作，上线第一个版本，投入生产</a:t>
+                        <a:t>第三季度：</a:t>
+                      </a:r>
+                      <a:r>
+                        <a:rPr lang="zh-CN" altLang="en-US" sz="1600" smtClean="0"/>
+                        <a:t>完成</a:t>
+                      </a:r>
+                      <a:r>
+                        <a:rPr lang="zh-CN" altLang="en-US" sz="1600" smtClean="0"/>
+                        <a:t>开发工作</a:t>
                       </a:r>
                       <a:r>
                         <a:rPr lang="zh-CN" altLang="en-US" sz="1600" dirty="0" smtClean="0"/>
-                        <a:t>。</a:t>
+                        <a:t>，上线第一个版本，投入生产。</a:t>
                       </a:r>
                       <a:endParaRPr lang="en-US" altLang="zh-CN" sz="1600" dirty="0" smtClean="0"/>
                     </a:p>
